--- a/doc/Talent5OpenPoseWeek2.pptx
+++ b/doc/Talent5OpenPoseWeek2.pptx
@@ -210,7 +210,7 @@
           <a:p>
             <a:fld id="{2AC7CC8C-0E6D-4D7C-96A2-2B7499791C44}" type="datetimeFigureOut">
               <a:rPr kumimoji="1" lang="ja-JP" altLang="en-US" smtClean="0"/>
-              <a:t>2021/3/27</a:t>
+              <a:t>2021/3/28</a:t>
             </a:fld>
             <a:endParaRPr kumimoji="1" lang="ja-JP" altLang="en-US"/>
           </a:p>
@@ -656,7 +656,7 @@
           <a:p>
             <a:fld id="{E4F0358C-1F7E-42AE-B3E6-43A3E571B169}" type="datetimeFigureOut">
               <a:rPr kumimoji="1" lang="ja-JP" altLang="en-US" smtClean="0"/>
-              <a:t>2021/3/27</a:t>
+              <a:t>2021/3/28</a:t>
             </a:fld>
             <a:endParaRPr kumimoji="1" lang="ja-JP" altLang="en-US"/>
           </a:p>
@@ -886,7 +886,7 @@
           <a:p>
             <a:fld id="{E4F0358C-1F7E-42AE-B3E6-43A3E571B169}" type="datetimeFigureOut">
               <a:rPr kumimoji="1" lang="ja-JP" altLang="en-US" smtClean="0"/>
-              <a:t>2021/3/27</a:t>
+              <a:t>2021/3/28</a:t>
             </a:fld>
             <a:endParaRPr kumimoji="1" lang="ja-JP" altLang="en-US"/>
           </a:p>
@@ -1126,7 +1126,7 @@
           <a:p>
             <a:fld id="{E4F0358C-1F7E-42AE-B3E6-43A3E571B169}" type="datetimeFigureOut">
               <a:rPr kumimoji="1" lang="ja-JP" altLang="en-US" smtClean="0"/>
-              <a:t>2021/3/27</a:t>
+              <a:t>2021/3/28</a:t>
             </a:fld>
             <a:endParaRPr kumimoji="1" lang="ja-JP" altLang="en-US"/>
           </a:p>
@@ -1356,7 +1356,7 @@
           <a:p>
             <a:fld id="{E4F0358C-1F7E-42AE-B3E6-43A3E571B169}" type="datetimeFigureOut">
               <a:rPr kumimoji="1" lang="ja-JP" altLang="en-US" smtClean="0"/>
-              <a:t>2021/3/27</a:t>
+              <a:t>2021/3/28</a:t>
             </a:fld>
             <a:endParaRPr kumimoji="1" lang="ja-JP" altLang="en-US"/>
           </a:p>
@@ -1631,7 +1631,7 @@
           <a:p>
             <a:fld id="{E4F0358C-1F7E-42AE-B3E6-43A3E571B169}" type="datetimeFigureOut">
               <a:rPr kumimoji="1" lang="ja-JP" altLang="en-US" smtClean="0"/>
-              <a:t>2021/3/27</a:t>
+              <a:t>2021/3/28</a:t>
             </a:fld>
             <a:endParaRPr kumimoji="1" lang="ja-JP" altLang="en-US"/>
           </a:p>
@@ -1960,7 +1960,7 @@
           <a:p>
             <a:fld id="{E4F0358C-1F7E-42AE-B3E6-43A3E571B169}" type="datetimeFigureOut">
               <a:rPr kumimoji="1" lang="ja-JP" altLang="en-US" smtClean="0"/>
-              <a:t>2021/3/27</a:t>
+              <a:t>2021/3/28</a:t>
             </a:fld>
             <a:endParaRPr kumimoji="1" lang="ja-JP" altLang="en-US"/>
           </a:p>
@@ -2436,7 +2436,7 @@
           <a:p>
             <a:fld id="{E4F0358C-1F7E-42AE-B3E6-43A3E571B169}" type="datetimeFigureOut">
               <a:rPr kumimoji="1" lang="ja-JP" altLang="en-US" smtClean="0"/>
-              <a:t>2021/3/27</a:t>
+              <a:t>2021/3/28</a:t>
             </a:fld>
             <a:endParaRPr kumimoji="1" lang="ja-JP" altLang="en-US"/>
           </a:p>
@@ -2577,7 +2577,7 @@
           <a:p>
             <a:fld id="{E4F0358C-1F7E-42AE-B3E6-43A3E571B169}" type="datetimeFigureOut">
               <a:rPr kumimoji="1" lang="ja-JP" altLang="en-US" smtClean="0"/>
-              <a:t>2021/3/27</a:t>
+              <a:t>2021/3/28</a:t>
             </a:fld>
             <a:endParaRPr kumimoji="1" lang="ja-JP" altLang="en-US"/>
           </a:p>
@@ -2690,7 +2690,7 @@
           <a:p>
             <a:fld id="{E4F0358C-1F7E-42AE-B3E6-43A3E571B169}" type="datetimeFigureOut">
               <a:rPr kumimoji="1" lang="ja-JP" altLang="en-US" smtClean="0"/>
-              <a:t>2021/3/27</a:t>
+              <a:t>2021/3/28</a:t>
             </a:fld>
             <a:endParaRPr kumimoji="1" lang="ja-JP" altLang="en-US"/>
           </a:p>
@@ -3033,7 +3033,7 @@
           <a:p>
             <a:fld id="{E4F0358C-1F7E-42AE-B3E6-43A3E571B169}" type="datetimeFigureOut">
               <a:rPr kumimoji="1" lang="ja-JP" altLang="en-US" smtClean="0"/>
-              <a:t>2021/3/27</a:t>
+              <a:t>2021/3/28</a:t>
             </a:fld>
             <a:endParaRPr kumimoji="1" lang="ja-JP" altLang="en-US"/>
           </a:p>
@@ -3321,7 +3321,7 @@
           <a:p>
             <a:fld id="{E4F0358C-1F7E-42AE-B3E6-43A3E571B169}" type="datetimeFigureOut">
               <a:rPr kumimoji="1" lang="ja-JP" altLang="en-US" smtClean="0"/>
-              <a:t>2021/3/27</a:t>
+              <a:t>2021/3/28</a:t>
             </a:fld>
             <a:endParaRPr kumimoji="1" lang="ja-JP" altLang="en-US"/>
           </a:p>
@@ -3594,7 +3594,7 @@
           <a:p>
             <a:fld id="{E4F0358C-1F7E-42AE-B3E6-43A3E571B169}" type="datetimeFigureOut">
               <a:rPr kumimoji="1" lang="ja-JP" altLang="en-US" smtClean="0"/>
-              <a:t>2021/3/27</a:t>
+              <a:t>2021/3/28</a:t>
             </a:fld>
             <a:endParaRPr kumimoji="1" lang="ja-JP" altLang="en-US"/>
           </a:p>
@@ -8707,6 +8707,101 @@
           </a:p>
           <a:p>
             <a:r>
+              <a:rPr lang="en-US" altLang="ja-JP" dirty="0" err="1"/>
+              <a:t>Nộp</a:t>
+            </a:r>
+            <a:r>
+              <a:rPr lang="en-US" altLang="ja-JP" dirty="0"/>
+              <a:t> </a:t>
+            </a:r>
+            <a:r>
+              <a:rPr lang="en-US" altLang="ja-JP" dirty="0" err="1"/>
+              <a:t>bài</a:t>
+            </a:r>
+            <a:endParaRPr lang="en-US" altLang="ja-JP" dirty="0"/>
+          </a:p>
+          <a:p>
+            <a:pPr lvl="1"/>
+            <a:r>
+              <a:rPr lang="en-US" altLang="ja-JP" dirty="0" err="1"/>
+              <a:t>Đưa</a:t>
+            </a:r>
+            <a:r>
+              <a:rPr lang="en-US" altLang="ja-JP" dirty="0"/>
+              <a:t> </a:t>
+            </a:r>
+            <a:r>
+              <a:rPr lang="en-US" altLang="ja-JP" dirty="0" err="1"/>
+              <a:t>ảnh</a:t>
+            </a:r>
+            <a:r>
+              <a:rPr lang="en-US" altLang="ja-JP" dirty="0"/>
+              <a:t> </a:t>
+            </a:r>
+            <a:r>
+              <a:rPr lang="en-US" altLang="ja-JP" dirty="0" err="1"/>
+              <a:t>sau</a:t>
+            </a:r>
+            <a:r>
+              <a:rPr lang="en-US" altLang="ja-JP" dirty="0"/>
+              <a:t> </a:t>
+            </a:r>
+            <a:r>
+              <a:rPr lang="en-US" altLang="ja-JP" dirty="0" err="1"/>
+              <a:t>khi</a:t>
+            </a:r>
+            <a:r>
+              <a:rPr lang="en-US" altLang="ja-JP" dirty="0"/>
+              <a:t> </a:t>
+            </a:r>
+            <a:r>
+              <a:rPr lang="en-US" altLang="ja-JP" dirty="0" err="1"/>
+              <a:t>dự</a:t>
+            </a:r>
+            <a:r>
+              <a:rPr lang="en-US" altLang="ja-JP" dirty="0"/>
+              <a:t> </a:t>
+            </a:r>
+            <a:r>
+              <a:rPr lang="en-US" altLang="ja-JP" dirty="0" err="1"/>
+              <a:t>đoán</a:t>
+            </a:r>
+            <a:endParaRPr lang="en-US" altLang="ja-JP" dirty="0"/>
+          </a:p>
+          <a:p>
+            <a:pPr lvl="1"/>
+            <a:r>
+              <a:rPr lang="en-US" altLang="ja-JP" dirty="0" err="1"/>
+              <a:t>Đưa</a:t>
+            </a:r>
+            <a:r>
+              <a:rPr lang="en-US" altLang="ja-JP" dirty="0"/>
+              <a:t> code </a:t>
+            </a:r>
+            <a:r>
+              <a:rPr lang="en-US" altLang="ja-JP" dirty="0" err="1"/>
+              <a:t>để</a:t>
+            </a:r>
+            <a:r>
+              <a:rPr lang="en-US" altLang="ja-JP" dirty="0"/>
+              <a:t> </a:t>
+            </a:r>
+            <a:r>
+              <a:rPr lang="en-US" altLang="ja-JP" dirty="0" err="1"/>
+              <a:t>dự</a:t>
+            </a:r>
+            <a:r>
+              <a:rPr lang="en-US" altLang="ja-JP" dirty="0"/>
+              <a:t> </a:t>
+            </a:r>
+            <a:r>
+              <a:rPr lang="en-US" altLang="ja-JP" dirty="0" err="1"/>
+              <a:t>đoán</a:t>
+            </a:r>
+            <a:endParaRPr lang="en-US" altLang="ja-JP" dirty="0"/>
+          </a:p>
+          <a:p>
+            <a:r>
               <a:rPr lang="en-US" altLang="ja-JP" dirty="0"/>
               <a:t>Deadline: 2021/1/4 23:59</a:t>
             </a:r>
@@ -8847,7 +8942,7 @@
         </p:nvSpPr>
         <p:spPr>
           <a:xfrm>
-            <a:off x="8565501" y="2700439"/>
+            <a:off x="8330609" y="2700439"/>
             <a:ext cx="1901483" cy="369332"/>
           </a:xfrm>
           <a:prstGeom prst="rect">
@@ -14090,6 +14185,54 @@
             </a:r>
           </a:p>
           <a:p>
+            <a:pPr lvl="2"/>
+            <a:r>
+              <a:rPr lang="en-US" altLang="ja-JP" dirty="0" err="1"/>
+              <a:t>Chiết</a:t>
+            </a:r>
+            <a:r>
+              <a:rPr lang="en-US" altLang="ja-JP" dirty="0"/>
+              <a:t> </a:t>
+            </a:r>
+            <a:r>
+              <a:rPr lang="en-US" altLang="ja-JP" dirty="0" err="1"/>
+              <a:t>suất</a:t>
+            </a:r>
+            <a:r>
+              <a:rPr lang="en-US" altLang="ja-JP" dirty="0"/>
+              <a:t> </a:t>
+            </a:r>
+            <a:r>
+              <a:rPr lang="en-US" altLang="ja-JP" dirty="0" err="1"/>
+              <a:t>đặc</a:t>
+            </a:r>
+            <a:r>
+              <a:rPr lang="en-US" altLang="ja-JP" dirty="0"/>
+              <a:t> </a:t>
+            </a:r>
+            <a:r>
+              <a:rPr lang="en-US" altLang="ja-JP" dirty="0" err="1"/>
+              <a:t>trưng</a:t>
+            </a:r>
+            <a:r>
+              <a:rPr lang="en-US" altLang="ja-JP" dirty="0"/>
+              <a:t> </a:t>
+            </a:r>
+            <a:r>
+              <a:rPr lang="en-US" altLang="ja-JP" dirty="0" err="1"/>
+              <a:t>của</a:t>
+            </a:r>
+            <a:r>
+              <a:rPr lang="en-US" altLang="ja-JP" dirty="0"/>
+              <a:t> </a:t>
+            </a:r>
+            <a:r>
+              <a:rPr lang="en-US" altLang="ja-JP" dirty="0" err="1"/>
+              <a:t>ảnh</a:t>
+            </a:r>
+            <a:endParaRPr kumimoji="1" lang="en-US" altLang="ja-JP" dirty="0"/>
+          </a:p>
+          <a:p>
             <a:pPr lvl="1"/>
             <a:r>
               <a:rPr lang="en-US" altLang="ja-JP" dirty="0"/>
@@ -14097,6 +14240,54 @@
             </a:r>
           </a:p>
           <a:p>
+            <a:pPr lvl="2"/>
+            <a:r>
+              <a:rPr lang="en-US" altLang="ja-JP" dirty="0" err="1"/>
+              <a:t>Giảm</a:t>
+            </a:r>
+            <a:r>
+              <a:rPr lang="en-US" altLang="ja-JP" dirty="0"/>
+              <a:t> </a:t>
+            </a:r>
+            <a:r>
+              <a:rPr lang="en-US" altLang="ja-JP" dirty="0" err="1"/>
+              <a:t>chiều</a:t>
+            </a:r>
+            <a:r>
+              <a:rPr lang="en-US" altLang="ja-JP" dirty="0"/>
+              <a:t> </a:t>
+            </a:r>
+            <a:r>
+              <a:rPr lang="en-US" altLang="ja-JP" dirty="0" err="1"/>
+              <a:t>dữ</a:t>
+            </a:r>
+            <a:r>
+              <a:rPr lang="en-US" altLang="ja-JP" dirty="0"/>
+              <a:t> </a:t>
+            </a:r>
+            <a:r>
+              <a:rPr lang="en-US" altLang="ja-JP" dirty="0" err="1"/>
+              <a:t>liệu</a:t>
+            </a:r>
+            <a:r>
+              <a:rPr lang="en-US" altLang="ja-JP" dirty="0"/>
+              <a:t> </a:t>
+            </a:r>
+            <a:r>
+              <a:rPr lang="en-US" altLang="ja-JP" dirty="0" err="1"/>
+              <a:t>của</a:t>
+            </a:r>
+            <a:r>
+              <a:rPr lang="en-US" altLang="ja-JP" dirty="0"/>
+              <a:t> </a:t>
+            </a:r>
+            <a:r>
+              <a:rPr lang="en-US" altLang="ja-JP" dirty="0" err="1"/>
+              <a:t>ảnh</a:t>
+            </a:r>
+            <a:endParaRPr lang="en-US" altLang="ja-JP" dirty="0"/>
+          </a:p>
+          <a:p>
             <a:pPr lvl="1"/>
             <a:r>
               <a:rPr lang="en-US" altLang="ja-JP" dirty="0" err="1"/>
@@ -14105,15 +14296,139 @@
             <a:endParaRPr lang="en-US" altLang="ja-JP" dirty="0"/>
           </a:p>
           <a:p>
+            <a:pPr lvl="2"/>
+            <a:r>
+              <a:rPr lang="en-US" altLang="ja-JP" dirty="0" err="1"/>
+              <a:t>Hàm</a:t>
+            </a:r>
+            <a:r>
+              <a:rPr lang="en-US" altLang="ja-JP" dirty="0"/>
+              <a:t> activation</a:t>
+            </a:r>
+          </a:p>
+          <a:p>
             <a:pPr lvl="1"/>
             <a:r>
               <a:rPr kumimoji="1" lang="en-US" altLang="ja-JP" dirty="0"/>
               <a:t>VGG</a:t>
             </a:r>
-            <a:endParaRPr kumimoji="1" lang="ja-JP" altLang="en-US" dirty="0"/>
-          </a:p>
-        </p:txBody>
-      </p:sp>
+            <a:endParaRPr lang="en-US" altLang="ja-JP" dirty="0"/>
+          </a:p>
+          <a:p>
+            <a:pPr lvl="2"/>
+            <a:r>
+              <a:rPr kumimoji="1" lang="en-US" altLang="ja-JP" dirty="0"/>
+              <a:t>1 </a:t>
+            </a:r>
+            <a:r>
+              <a:rPr kumimoji="1" lang="en-US" altLang="ja-JP" dirty="0" err="1"/>
+              <a:t>mạng</a:t>
+            </a:r>
+            <a:r>
+              <a:rPr kumimoji="1" lang="en-US" altLang="ja-JP" dirty="0"/>
+              <a:t> </a:t>
+            </a:r>
+            <a:r>
+              <a:rPr kumimoji="1" lang="en-US" altLang="ja-JP" dirty="0" err="1"/>
+              <a:t>tiêu</a:t>
+            </a:r>
+            <a:r>
+              <a:rPr kumimoji="1" lang="en-US" altLang="ja-JP" dirty="0"/>
+              <a:t> </a:t>
+            </a:r>
+            <a:r>
+              <a:rPr kumimoji="1" lang="en-US" altLang="ja-JP" dirty="0" err="1"/>
+              <a:t>biểu</a:t>
+            </a:r>
+            <a:r>
+              <a:rPr kumimoji="1" lang="en-US" altLang="ja-JP" dirty="0"/>
+              <a:t> </a:t>
+            </a:r>
+            <a:r>
+              <a:rPr kumimoji="1" lang="en-US" altLang="ja-JP" dirty="0" err="1"/>
+              <a:t>của</a:t>
+            </a:r>
+            <a:r>
+              <a:rPr kumimoji="1" lang="en-US" altLang="ja-JP" dirty="0"/>
+              <a:t> convolutional neural network</a:t>
+            </a:r>
+          </a:p>
+        </p:txBody>
+      </p:sp>
+      <p:cxnSp>
+        <p:nvCxnSpPr>
+          <p:cNvPr id="5" name="直線コネクタ 4">
+            <a:extLst>
+              <a:ext uri="{FF2B5EF4-FFF2-40B4-BE49-F238E27FC236}">
+                <a16:creationId xmlns:a16="http://schemas.microsoft.com/office/drawing/2014/main" id="{32166EA8-8BD3-4BD2-BADC-E01B9D6F1A3A}"/>
+              </a:ext>
+            </a:extLst>
+          </p:cNvPr>
+          <p:cNvCxnSpPr/>
+          <p:nvPr/>
+        </p:nvCxnSpPr>
+        <p:spPr>
+          <a:xfrm>
+            <a:off x="5394121" y="4244829"/>
+            <a:ext cx="1367406" cy="0"/>
+          </a:xfrm>
+          <a:prstGeom prst="line">
+            <a:avLst/>
+          </a:prstGeom>
+        </p:spPr>
+        <p:style>
+          <a:lnRef idx="1">
+            <a:schemeClr val="accent1"/>
+          </a:lnRef>
+          <a:fillRef idx="0">
+            <a:schemeClr val="accent1"/>
+          </a:fillRef>
+          <a:effectRef idx="0">
+            <a:schemeClr val="accent1"/>
+          </a:effectRef>
+          <a:fontRef idx="minor">
+            <a:schemeClr val="tx1"/>
+          </a:fontRef>
+        </p:style>
+      </p:cxnSp>
+      <p:cxnSp>
+        <p:nvCxnSpPr>
+          <p:cNvPr id="6" name="直線コネクタ 5">
+            <a:extLst>
+              <a:ext uri="{FF2B5EF4-FFF2-40B4-BE49-F238E27FC236}">
+                <a16:creationId xmlns:a16="http://schemas.microsoft.com/office/drawing/2014/main" id="{FAEC0D4F-6FF0-4DE0-AD6B-85FFDCB53022}"/>
+              </a:ext>
+            </a:extLst>
+          </p:cNvPr>
+          <p:cNvCxnSpPr>
+            <a:cxnSpLocks/>
+          </p:cNvCxnSpPr>
+          <p:nvPr/>
+        </p:nvCxnSpPr>
+        <p:spPr>
+          <a:xfrm flipV="1">
+            <a:off x="6761527" y="3280095"/>
+            <a:ext cx="988788" cy="964735"/>
+          </a:xfrm>
+          <a:prstGeom prst="line">
+            <a:avLst/>
+          </a:prstGeom>
+        </p:spPr>
+        <p:style>
+          <a:lnRef idx="1">
+            <a:schemeClr val="accent1"/>
+          </a:lnRef>
+          <a:fillRef idx="0">
+            <a:schemeClr val="accent1"/>
+          </a:fillRef>
+          <a:effectRef idx="0">
+            <a:schemeClr val="accent1"/>
+          </a:effectRef>
+          <a:fontRef idx="minor">
+            <a:schemeClr val="tx1"/>
+          </a:fontRef>
+        </p:style>
+      </p:cxnSp>
     </p:spTree>
     <p:extLst>
       <p:ext uri="{BB962C8B-B14F-4D97-AF65-F5344CB8AC3E}">
